--- a/Presentation.pptx
+++ b/Presentation.pptx
@@ -156,6 +156,7 @@
 <file path=ppt/revisionInfo.xml><?xml version="1.0" encoding="utf-8"?>
 <p1510:revInfo xmlns:a="http://schemas.openxmlformats.org/drawingml/2006/main" xmlns:r="http://schemas.openxmlformats.org/officeDocument/2006/relationships" xmlns:p1510="http://schemas.microsoft.com/office/powerpoint/2015/10/main">
   <p1510:revLst>
+    <p1510:client id="{93378BB5-9368-48CC-A4E4-6AED88C1B309}" v="2" dt="2021-04-21T15:40:26.362"/>
     <p1510:client id="{F6654B49-2391-B04B-8C8C-1B9588111E8B}" v="5" dt="2021-04-21T04:33:06.490"/>
   </p1510:revLst>
 </p1510:revInfo>
@@ -163,6 +164,92 @@
 
 <file path=ppt/changesInfos/changesInfo1.xml><?xml version="1.0" encoding="utf-8"?>
 <pc:chgInfo xmlns:a="http://schemas.openxmlformats.org/drawingml/2006/main" xmlns:r="http://schemas.openxmlformats.org/officeDocument/2006/relationships" xmlns:ac="http://schemas.microsoft.com/office/drawing/2013/main/command" xmlns:pc="http://schemas.microsoft.com/office/powerpoint/2013/main/command">
+  <pc:docChgLst>
+    <pc:chgData name="joshua bond" userId="787c23721f3ac2d9" providerId="LiveId" clId="{93378BB5-9368-48CC-A4E4-6AED88C1B309}"/>
+    <pc:docChg chg="undo custSel modSld">
+      <pc:chgData name="joshua bond" userId="787c23721f3ac2d9" providerId="LiveId" clId="{93378BB5-9368-48CC-A4E4-6AED88C1B309}" dt="2021-04-21T15:41:49.937" v="656" actId="1076"/>
+      <pc:docMkLst>
+        <pc:docMk/>
+      </pc:docMkLst>
+      <pc:sldChg chg="addSp modSp mod">
+        <pc:chgData name="joshua bond" userId="787c23721f3ac2d9" providerId="LiveId" clId="{93378BB5-9368-48CC-A4E4-6AED88C1B309}" dt="2021-04-21T15:32:12.971" v="359" actId="255"/>
+        <pc:sldMkLst>
+          <pc:docMk/>
+          <pc:sldMk cId="3956584900" sldId="259"/>
+        </pc:sldMkLst>
+        <pc:spChg chg="mod">
+          <ac:chgData name="joshua bond" userId="787c23721f3ac2d9" providerId="LiveId" clId="{93378BB5-9368-48CC-A4E4-6AED88C1B309}" dt="2021-04-21T15:32:12.971" v="359" actId="255"/>
+          <ac:spMkLst>
+            <pc:docMk/>
+            <pc:sldMk cId="3956584900" sldId="259"/>
+            <ac:spMk id="3" creationId="{00000000-0000-0000-0000-000000000000}"/>
+          </ac:spMkLst>
+        </pc:spChg>
+        <pc:picChg chg="add mod ord">
+          <ac:chgData name="joshua bond" userId="787c23721f3ac2d9" providerId="LiveId" clId="{93378BB5-9368-48CC-A4E4-6AED88C1B309}" dt="2021-04-21T15:29:41.529" v="273" actId="1076"/>
+          <ac:picMkLst>
+            <pc:docMk/>
+            <pc:sldMk cId="3956584900" sldId="259"/>
+            <ac:picMk id="5" creationId="{6141C9FE-788C-48A1-8412-12D51DC15960}"/>
+          </ac:picMkLst>
+        </pc:picChg>
+      </pc:sldChg>
+      <pc:sldChg chg="modSp mod">
+        <pc:chgData name="joshua bond" userId="787c23721f3ac2d9" providerId="LiveId" clId="{93378BB5-9368-48CC-A4E4-6AED88C1B309}" dt="2021-04-21T15:39:04.383" v="644" actId="1076"/>
+        <pc:sldMkLst>
+          <pc:docMk/>
+          <pc:sldMk cId="1756885315" sldId="262"/>
+        </pc:sldMkLst>
+        <pc:spChg chg="mod">
+          <ac:chgData name="joshua bond" userId="787c23721f3ac2d9" providerId="LiveId" clId="{93378BB5-9368-48CC-A4E4-6AED88C1B309}" dt="2021-04-21T15:39:04.383" v="644" actId="1076"/>
+          <ac:spMkLst>
+            <pc:docMk/>
+            <pc:sldMk cId="1756885315" sldId="262"/>
+            <ac:spMk id="7" creationId="{AF3018B1-F627-C142-959A-71ECA99FFC66}"/>
+          </ac:spMkLst>
+        </pc:spChg>
+      </pc:sldChg>
+      <pc:sldChg chg="addSp modSp mod">
+        <pc:chgData name="joshua bond" userId="787c23721f3ac2d9" providerId="LiveId" clId="{93378BB5-9368-48CC-A4E4-6AED88C1B309}" dt="2021-04-21T15:41:49.937" v="656" actId="1076"/>
+        <pc:sldMkLst>
+          <pc:docMk/>
+          <pc:sldMk cId="159906107" sldId="263"/>
+        </pc:sldMkLst>
+        <pc:spChg chg="mod">
+          <ac:chgData name="joshua bond" userId="787c23721f3ac2d9" providerId="LiveId" clId="{93378BB5-9368-48CC-A4E4-6AED88C1B309}" dt="2021-04-21T15:39:30.893" v="645" actId="1076"/>
+          <ac:spMkLst>
+            <pc:docMk/>
+            <pc:sldMk cId="159906107" sldId="263"/>
+            <ac:spMk id="2" creationId="{47FAB37D-251A-A349-A5E2-4B9804208D70}"/>
+          </ac:spMkLst>
+        </pc:spChg>
+        <pc:picChg chg="mod">
+          <ac:chgData name="joshua bond" userId="787c23721f3ac2d9" providerId="LiveId" clId="{93378BB5-9368-48CC-A4E4-6AED88C1B309}" dt="2021-04-21T15:41:49.937" v="656" actId="1076"/>
+          <ac:picMkLst>
+            <pc:docMk/>
+            <pc:sldMk cId="159906107" sldId="263"/>
+            <ac:picMk id="4" creationId="{A42ECD10-8547-A041-8E0C-23745233AB9C}"/>
+          </ac:picMkLst>
+        </pc:picChg>
+        <pc:picChg chg="mod">
+          <ac:chgData name="joshua bond" userId="787c23721f3ac2d9" providerId="LiveId" clId="{93378BB5-9368-48CC-A4E4-6AED88C1B309}" dt="2021-04-21T15:41:44.349" v="655" actId="14100"/>
+          <ac:picMkLst>
+            <pc:docMk/>
+            <pc:sldMk cId="159906107" sldId="263"/>
+            <ac:picMk id="5" creationId="{5184F78B-BD32-9241-9FC2-C578CFE1C0B4}"/>
+          </ac:picMkLst>
+        </pc:picChg>
+        <pc:picChg chg="add mod">
+          <ac:chgData name="joshua bond" userId="787c23721f3ac2d9" providerId="LiveId" clId="{93378BB5-9368-48CC-A4E4-6AED88C1B309}" dt="2021-04-21T15:41:37.862" v="654" actId="208"/>
+          <ac:picMkLst>
+            <pc:docMk/>
+            <pc:sldMk cId="159906107" sldId="263"/>
+            <ac:picMk id="6" creationId="{86FEF441-626C-4E03-9FBA-1A528CE4BE97}"/>
+          </ac:picMkLst>
+        </pc:picChg>
+      </pc:sldChg>
+    </pc:docChg>
+  </pc:docChgLst>
   <pc:docChgLst>
     <pc:chgData name="Jacob J" userId="6e16559cfaf5932d" providerId="LiveId" clId="{F6654B49-2391-B04B-8C8C-1B9588111E8B}"/>
     <pc:docChg chg="custSel addSld modSld">
@@ -443,7 +530,7 @@
           <a:p>
             <a:fld id="{4AECD13F-9E93-4C57-A5BD-336347054114}" type="datetimeFigureOut">
               <a:rPr lang="en-US" smtClean="0"/>
-              <a:t>4/20/21</a:t>
+              <a:t>4/21/2021</a:t>
             </a:fld>
             <a:endParaRPr lang="en-US"/>
           </a:p>
@@ -608,7 +695,7 @@
           <a:p>
             <a:fld id="{621D9606-6FF7-49AF-A412-4D6AB767DFC4}" type="datetimeFigureOut">
               <a:rPr lang="en-US" smtClean="0"/>
-              <a:t>4/20/21</a:t>
+              <a:t>4/21/2021</a:t>
             </a:fld>
             <a:endParaRPr lang="en-US"/>
           </a:p>
@@ -1006,7 +1093,7 @@
             <a:fld id="{FFF30096-E2FA-4C53-8FFA-C198FACBBC31}" type="datetimeFigureOut">
               <a:rPr lang="en-US" smtClean="0"/>
               <a:pPr/>
-              <a:t>4/20/21</a:t>
+              <a:t>4/21/2021</a:t>
             </a:fld>
             <a:endParaRPr lang="en-US" dirty="0"/>
           </a:p>
@@ -17001,7 +17088,7 @@
             <a:fld id="{FFF30096-E2FA-4C53-8FFA-C198FACBBC31}" type="datetimeFigureOut">
               <a:rPr lang="en-US" smtClean="0"/>
               <a:pPr/>
-              <a:t>4/20/21</a:t>
+              <a:t>4/21/2021</a:t>
             </a:fld>
             <a:endParaRPr lang="en-US" dirty="0"/>
           </a:p>
@@ -33360,7 +33447,7 @@
             <a:fld id="{FFF30096-E2FA-4C53-8FFA-C198FACBBC31}" type="datetimeFigureOut">
               <a:rPr lang="en-US" smtClean="0"/>
               <a:pPr/>
-              <a:t>4/20/21</a:t>
+              <a:t>4/21/2021</a:t>
             </a:fld>
             <a:endParaRPr lang="en-US" dirty="0"/>
           </a:p>
@@ -33617,7 +33704,7 @@
             <a:fld id="{FFF30096-E2FA-4C53-8FFA-C198FACBBC31}" type="datetimeFigureOut">
               <a:rPr lang="en-US" smtClean="0"/>
               <a:pPr/>
-              <a:t>4/20/21</a:t>
+              <a:t>4/21/2021</a:t>
             </a:fld>
             <a:endParaRPr lang="en-US" dirty="0"/>
           </a:p>
@@ -35458,7 +35545,7 @@
             <a:fld id="{FFF30096-E2FA-4C53-8FFA-C198FACBBC31}" type="datetimeFigureOut">
               <a:rPr lang="en-US" smtClean="0"/>
               <a:pPr/>
-              <a:t>4/20/21</a:t>
+              <a:t>4/21/2021</a:t>
             </a:fld>
             <a:endParaRPr lang="en-US" dirty="0"/>
           </a:p>
@@ -35833,7 +35920,7 @@
             <a:fld id="{FFF30096-E2FA-4C53-8FFA-C198FACBBC31}" type="datetimeFigureOut">
               <a:rPr lang="en-US" smtClean="0"/>
               <a:pPr/>
-              <a:t>4/20/21</a:t>
+              <a:t>4/21/2021</a:t>
             </a:fld>
             <a:endParaRPr lang="en-US"/>
           </a:p>
@@ -37157,6 +37244,36 @@
           <a:chExt cx="0" cy="0"/>
         </a:xfrm>
       </p:grpSpPr>
+      <p:pic>
+        <p:nvPicPr>
+          <p:cNvPr id="5" name="Picture 4">
+            <a:extLst>
+              <a:ext uri="{FF2B5EF4-FFF2-40B4-BE49-F238E27FC236}">
+                <a16:creationId xmlns:a16="http://schemas.microsoft.com/office/drawing/2014/main" id="{6141C9FE-788C-48A1-8412-12D51DC15960}"/>
+              </a:ext>
+            </a:extLst>
+          </p:cNvPr>
+          <p:cNvPicPr>
+            <a:picLocks noChangeAspect="1"/>
+          </p:cNvPicPr>
+          <p:nvPr/>
+        </p:nvPicPr>
+        <p:blipFill>
+          <a:blip r:embed="rId2"/>
+          <a:stretch>
+            <a:fillRect/>
+          </a:stretch>
+        </p:blipFill>
+        <p:spPr>
+          <a:xfrm>
+            <a:off x="5717512" y="1428750"/>
+            <a:ext cx="3432132" cy="2286000"/>
+          </a:xfrm>
+          <a:prstGeom prst="rect">
+            <a:avLst/>
+          </a:prstGeom>
+        </p:spPr>
+      </p:pic>
       <p:sp>
         <p:nvSpPr>
           <p:cNvPr id="2" name="Title 1"/>
@@ -37189,7 +37306,12 @@
             <p:ph type="body" sz="quarter" idx="35"/>
           </p:nvPr>
         </p:nvSpPr>
-        <p:spPr/>
+        <p:spPr>
+          <a:xfrm>
+            <a:off x="27602" y="1063228"/>
+            <a:ext cx="5839798" cy="2982516"/>
+          </a:xfrm>
+        </p:spPr>
         <p:txBody>
           <a:bodyPr/>
           <a:lstStyle/>
@@ -37209,8 +37331,17 @@
               <a:buChar char="•"/>
             </a:pPr>
             <a:r>
-              <a:rPr lang="en-US" dirty="0"/>
+              <a:rPr lang="en-US" sz="2400" dirty="0"/>
               <a:t>EMA, RSI, JWWMA, ATR</a:t>
+            </a:r>
+          </a:p>
+          <a:p>
+            <a:pPr lvl="1" indent="0" algn="ctr">
+              <a:buNone/>
+            </a:pPr>
+            <a:r>
+              <a:rPr lang="en-US" sz="1050" dirty="0"/>
+              <a:t>(Also included candle shadow and body size, min, max, volume, modulos at differing levels,  differences,  percentage change,  week day, and day)</a:t>
             </a:r>
           </a:p>
           <a:p>
@@ -37221,6 +37352,20 @@
             <a:r>
               <a:rPr lang="en-US" dirty="0"/>
               <a:t>Results calculated based on stoploss of -5% and take profit calculated based on +12%.</a:t>
+            </a:r>
+          </a:p>
+          <a:p>
+            <a:pPr marL="342900" indent="-342900" algn="l">
+              <a:buFont typeface="Arial" panose="020B0604020202020204" pitchFamily="34" charset="0"/>
+              <a:buChar char="•"/>
+            </a:pPr>
+            <a:r>
+              <a:rPr lang="en-US" dirty="0"/>
+              <a:t>Variables created using multiple window sizes: </a:t>
+            </a:r>
+            <a:r>
+              <a:rPr lang="en-US" sz="1800" dirty="0"/>
+              <a:t>(8, 13, 21, 34, 55, 89, 144, 377)</a:t>
             </a:r>
           </a:p>
           <a:p>
@@ -37330,7 +37475,12 @@
             <p:ph type="body" sz="quarter" idx="35"/>
           </p:nvPr>
         </p:nvSpPr>
-        <p:spPr/>
+        <p:spPr>
+          <a:xfrm>
+            <a:off x="1381944" y="1772816"/>
+            <a:ext cx="7304856" cy="2448272"/>
+          </a:xfrm>
+        </p:spPr>
         <p:txBody>
           <a:bodyPr/>
           <a:lstStyle/>
@@ -37341,7 +37491,7 @@
             </a:pPr>
             <a:r>
               <a:rPr lang="en-US" sz="2000" dirty="0"/>
-              <a:t>Built a function to create multiple models at once using difference variables (7 models created).</a:t>
+              <a:t>Built a function to create multiple models at once using different numbers of principal components (7 models created).</a:t>
             </a:r>
           </a:p>
           <a:p>
@@ -37351,7 +37501,15 @@
             </a:pPr>
             <a:r>
               <a:rPr lang="en-US" sz="2000" dirty="0"/>
-              <a:t>We used a sequential classifier and Dense model architecture to allow for greater adaptability in the model.</a:t>
+              <a:t>We used a Sequential model with Dense layers and the </a:t>
+            </a:r>
+            <a:r>
+              <a:rPr lang="en-US" sz="2000" dirty="0" err="1"/>
+              <a:t>relu</a:t>
+            </a:r>
+            <a:r>
+              <a:rPr lang="en-US" sz="2000" dirty="0"/>
+              <a:t> activation function to allow for greater adaptability in the model.</a:t>
             </a:r>
           </a:p>
           <a:p>
@@ -37361,7 +37519,7 @@
             </a:pPr>
             <a:r>
               <a:rPr lang="en-US" sz="2000" dirty="0"/>
-              <a:t>Four hidden layers used in each model.</a:t>
+              <a:t>Four hidden layers in each model</a:t>
             </a:r>
           </a:p>
           <a:p>
@@ -37371,7 +37529,17 @@
             </a:pPr>
             <a:r>
               <a:rPr lang="en-US" sz="2000" dirty="0"/>
-              <a:t>Sigmoid for activation, Adam optimizer, binary cross-entropy for loss, and metric was set to accuracy.</a:t>
+              <a:t>Output layer used Sigmoid for activation</a:t>
+            </a:r>
+          </a:p>
+          <a:p>
+            <a:pPr marL="342900" indent="-342900">
+              <a:buFont typeface="Arial" panose="020B0604020202020204" pitchFamily="34" charset="0"/>
+              <a:buChar char="•"/>
+            </a:pPr>
+            <a:r>
+              <a:rPr lang="en-US" sz="2000" dirty="0"/>
+              <a:t>Neural Network was compiled using the Adam optimizer and binary cross-entropy for loss.</a:t>
             </a:r>
           </a:p>
         </p:txBody>
@@ -37422,7 +37590,12 @@
             <p:ph type="title"/>
           </p:nvPr>
         </p:nvSpPr>
-        <p:spPr/>
+        <p:spPr>
+          <a:xfrm>
+            <a:off x="1860620" y="514350"/>
+            <a:ext cx="6829002" cy="857250"/>
+          </a:xfrm>
+        </p:spPr>
         <p:txBody>
           <a:bodyPr/>
           <a:lstStyle/>
@@ -37456,7 +37629,7 @@
         </p:blipFill>
         <p:spPr>
           <a:xfrm>
-            <a:off x="1857798" y="1742555"/>
+            <a:off x="1752600" y="1372306"/>
             <a:ext cx="3709031" cy="3077565"/>
           </a:xfrm>
           <a:prstGeom prst="rect">
@@ -37493,13 +37666,56 @@
         </p:blipFill>
         <p:spPr>
           <a:xfrm>
-            <a:off x="5718565" y="1739744"/>
-            <a:ext cx="2816499" cy="1974850"/>
+            <a:off x="5825146" y="611013"/>
+            <a:ext cx="2850365" cy="1974850"/>
           </a:xfrm>
           <a:prstGeom prst="rect">
             <a:avLst/>
           </a:prstGeom>
           <a:ln w="6350">
+            <a:solidFill>
+              <a:schemeClr val="bg2">
+                <a:lumMod val="10000"/>
+              </a:schemeClr>
+            </a:solidFill>
+          </a:ln>
+        </p:spPr>
+      </p:pic>
+      <p:pic>
+        <p:nvPicPr>
+          <p:cNvPr id="6" name="Picture 5">
+            <a:extLst>
+              <a:ext uri="{FF2B5EF4-FFF2-40B4-BE49-F238E27FC236}">
+                <a16:creationId xmlns:a16="http://schemas.microsoft.com/office/drawing/2014/main" id="{86FEF441-626C-4E03-9FBA-1A528CE4BE97}"/>
+              </a:ext>
+            </a:extLst>
+          </p:cNvPr>
+          <p:cNvPicPr>
+            <a:picLocks noChangeAspect="1"/>
+          </p:cNvPicPr>
+          <p:nvPr/>
+        </p:nvPicPr>
+        <p:blipFill>
+          <a:blip r:embed="rId4">
+            <a:extLst>
+              <a:ext uri="{28A0092B-C50C-407E-A947-70E740481C1C}">
+                <a14:useLocalDpi xmlns:a14="http://schemas.microsoft.com/office/drawing/2010/main" val="0"/>
+              </a:ext>
+            </a:extLst>
+          </a:blip>
+          <a:stretch>
+            <a:fillRect/>
+          </a:stretch>
+        </p:blipFill>
+        <p:spPr>
+          <a:xfrm>
+            <a:off x="5825146" y="2682526"/>
+            <a:ext cx="2833432" cy="2073812"/>
+          </a:xfrm>
+          <a:prstGeom prst="rect">
+            <a:avLst/>
+          </a:prstGeom>
+          <a:ln>
             <a:solidFill>
               <a:schemeClr val="bg2">
                 <a:lumMod val="10000"/>

--- a/Presentation.pptx
+++ b/Presentation.pptx
@@ -166,8 +166,8 @@
 <pc:chgInfo xmlns:a="http://schemas.openxmlformats.org/drawingml/2006/main" xmlns:r="http://schemas.openxmlformats.org/officeDocument/2006/relationships" xmlns:ac="http://schemas.microsoft.com/office/drawing/2013/main/command" xmlns:pc="http://schemas.microsoft.com/office/powerpoint/2013/main/command">
   <pc:docChgLst>
     <pc:chgData name="joshua bond" userId="787c23721f3ac2d9" providerId="LiveId" clId="{93378BB5-9368-48CC-A4E4-6AED88C1B309}"/>
-    <pc:docChg chg="undo custSel modSld">
-      <pc:chgData name="joshua bond" userId="787c23721f3ac2d9" providerId="LiveId" clId="{93378BB5-9368-48CC-A4E4-6AED88C1B309}" dt="2021-04-21T15:41:49.937" v="656" actId="1076"/>
+    <pc:docChg chg="undo redo custSel modSld">
+      <pc:chgData name="joshua bond" userId="787c23721f3ac2d9" providerId="LiveId" clId="{93378BB5-9368-48CC-A4E4-6AED88C1B309}" dt="2021-04-21T22:34:49.623" v="687" actId="20577"/>
       <pc:docMkLst>
         <pc:docMk/>
       </pc:docMkLst>
@@ -247,6 +247,21 @@
             <ac:picMk id="6" creationId="{86FEF441-626C-4E03-9FBA-1A528CE4BE97}"/>
           </ac:picMkLst>
         </pc:picChg>
+      </pc:sldChg>
+      <pc:sldChg chg="modSp mod">
+        <pc:chgData name="joshua bond" userId="787c23721f3ac2d9" providerId="LiveId" clId="{93378BB5-9368-48CC-A4E4-6AED88C1B309}" dt="2021-04-21T22:34:49.623" v="687" actId="20577"/>
+        <pc:sldMkLst>
+          <pc:docMk/>
+          <pc:sldMk cId="3692064632" sldId="266"/>
+        </pc:sldMkLst>
+        <pc:spChg chg="mod">
+          <ac:chgData name="joshua bond" userId="787c23721f3ac2d9" providerId="LiveId" clId="{93378BB5-9368-48CC-A4E4-6AED88C1B309}" dt="2021-04-21T22:34:49.623" v="687" actId="20577"/>
+          <ac:spMkLst>
+            <pc:docMk/>
+            <pc:sldMk cId="3692064632" sldId="266"/>
+            <ac:spMk id="3" creationId="{7184FADC-E4E4-A040-8220-E32FCD6D83E6}"/>
+          </ac:spMkLst>
+        </pc:spChg>
       </pc:sldChg>
     </pc:docChg>
   </pc:docChgLst>
@@ -36477,14 +36492,19 @@
             <p:ph type="body" sz="quarter" idx="35"/>
           </p:nvPr>
         </p:nvSpPr>
-        <p:spPr/>
+        <p:spPr>
+          <a:xfrm>
+            <a:off x="391344" y="1089334"/>
+            <a:ext cx="8208912" cy="2982516"/>
+          </a:xfrm>
+        </p:spPr>
         <p:txBody>
           <a:bodyPr/>
           <a:lstStyle/>
           <a:p>
             <a:r>
-              <a:rPr lang="en-US" dirty="0"/>
-              <a:t>The result of our models was a negative ROI of 0.16%. This leads us to believe that there is room for growth in the model and that more data and testing is needed in order to increase the accuracy of the model.</a:t>
+              <a:rPr lang="en-US" sz="2000" dirty="0"/>
+              <a:t>The result of our most accurate model was a ROI of - 0.16% while trading blindly bullish over the same period yielded a ROI of - 1.514 %. This leads us to believe that there is room for growth in the model and that more data and testing is needed in order to increase the accuracy of the model.</a:t>
             </a:r>
           </a:p>
         </p:txBody>

--- a/Presentation.pptx
+++ b/Presentation.pptx
@@ -166,8 +166,8 @@
 <pc:chgInfo xmlns:a="http://schemas.openxmlformats.org/drawingml/2006/main" xmlns:r="http://schemas.openxmlformats.org/officeDocument/2006/relationships" xmlns:ac="http://schemas.microsoft.com/office/drawing/2013/main/command" xmlns:pc="http://schemas.microsoft.com/office/powerpoint/2013/main/command">
   <pc:docChgLst>
     <pc:chgData name="joshua bond" userId="787c23721f3ac2d9" providerId="LiveId" clId="{93378BB5-9368-48CC-A4E4-6AED88C1B309}"/>
-    <pc:docChg chg="undo redo custSel modSld">
-      <pc:chgData name="joshua bond" userId="787c23721f3ac2d9" providerId="LiveId" clId="{93378BB5-9368-48CC-A4E4-6AED88C1B309}" dt="2021-04-21T22:34:49.623" v="687" actId="20577"/>
+    <pc:docChg chg="undo custSel modSld">
+      <pc:chgData name="joshua bond" userId="787c23721f3ac2d9" providerId="LiveId" clId="{93378BB5-9368-48CC-A4E4-6AED88C1B309}" dt="2021-04-21T15:41:49.937" v="656" actId="1076"/>
       <pc:docMkLst>
         <pc:docMk/>
       </pc:docMkLst>
@@ -248,30 +248,38 @@
           </ac:picMkLst>
         </pc:picChg>
       </pc:sldChg>
-      <pc:sldChg chg="modSp mod">
-        <pc:chgData name="joshua bond" userId="787c23721f3ac2d9" providerId="LiveId" clId="{93378BB5-9368-48CC-A4E4-6AED88C1B309}" dt="2021-04-21T22:34:49.623" v="687" actId="20577"/>
-        <pc:sldMkLst>
-          <pc:docMk/>
-          <pc:sldMk cId="3692064632" sldId="266"/>
-        </pc:sldMkLst>
-        <pc:spChg chg="mod">
-          <ac:chgData name="joshua bond" userId="787c23721f3ac2d9" providerId="LiveId" clId="{93378BB5-9368-48CC-A4E4-6AED88C1B309}" dt="2021-04-21T22:34:49.623" v="687" actId="20577"/>
-          <ac:spMkLst>
-            <pc:docMk/>
-            <pc:sldMk cId="3692064632" sldId="266"/>
-            <ac:spMk id="3" creationId="{7184FADC-E4E4-A040-8220-E32FCD6D83E6}"/>
-          </ac:spMkLst>
-        </pc:spChg>
-      </pc:sldChg>
     </pc:docChg>
   </pc:docChgLst>
   <pc:docChgLst>
     <pc:chgData name="Jacob J" userId="6e16559cfaf5932d" providerId="LiveId" clId="{F6654B49-2391-B04B-8C8C-1B9588111E8B}"/>
-    <pc:docChg chg="custSel addSld modSld">
-      <pc:chgData name="Jacob J" userId="6e16559cfaf5932d" providerId="LiveId" clId="{F6654B49-2391-B04B-8C8C-1B9588111E8B}" dt="2021-04-21T04:38:04.366" v="1840" actId="403"/>
+    <pc:docChg chg="undo custSel addSld modSld">
+      <pc:chgData name="Jacob J" userId="6e16559cfaf5932d" providerId="LiveId" clId="{F6654B49-2391-B04B-8C8C-1B9588111E8B}" dt="2021-04-21T19:51:35.349" v="1845" actId="14100"/>
       <pc:docMkLst>
         <pc:docMk/>
       </pc:docMkLst>
+      <pc:sldChg chg="modSp mod">
+        <pc:chgData name="Jacob J" userId="6e16559cfaf5932d" providerId="LiveId" clId="{F6654B49-2391-B04B-8C8C-1B9588111E8B}" dt="2021-04-21T19:51:35.349" v="1845" actId="14100"/>
+        <pc:sldMkLst>
+          <pc:docMk/>
+          <pc:sldMk cId="3956584900" sldId="259"/>
+        </pc:sldMkLst>
+        <pc:spChg chg="mod">
+          <ac:chgData name="Jacob J" userId="6e16559cfaf5932d" providerId="LiveId" clId="{F6654B49-2391-B04B-8C8C-1B9588111E8B}" dt="2021-04-21T19:51:30.153" v="1844" actId="1076"/>
+          <ac:spMkLst>
+            <pc:docMk/>
+            <pc:sldMk cId="3956584900" sldId="259"/>
+            <ac:spMk id="3" creationId="{00000000-0000-0000-0000-000000000000}"/>
+          </ac:spMkLst>
+        </pc:spChg>
+        <pc:picChg chg="mod">
+          <ac:chgData name="Jacob J" userId="6e16559cfaf5932d" providerId="LiveId" clId="{F6654B49-2391-B04B-8C8C-1B9588111E8B}" dt="2021-04-21T19:51:35.349" v="1845" actId="14100"/>
+          <ac:picMkLst>
+            <pc:docMk/>
+            <pc:sldMk cId="3956584900" sldId="259"/>
+            <ac:picMk id="5" creationId="{6141C9FE-788C-48A1-8412-12D51DC15960}"/>
+          </ac:picMkLst>
+        </pc:picChg>
+      </pc:sldChg>
       <pc:sldChg chg="modSp mod">
         <pc:chgData name="Jacob J" userId="6e16559cfaf5932d" providerId="LiveId" clId="{F6654B49-2391-B04B-8C8C-1B9588111E8B}" dt="2021-04-21T04:18:09.548" v="76" actId="20577"/>
         <pc:sldMkLst>
@@ -545,7 +553,7 @@
           <a:p>
             <a:fld id="{4AECD13F-9E93-4C57-A5BD-336347054114}" type="datetimeFigureOut">
               <a:rPr lang="en-US" smtClean="0"/>
-              <a:t>4/21/2021</a:t>
+              <a:t>4/21/21</a:t>
             </a:fld>
             <a:endParaRPr lang="en-US"/>
           </a:p>
@@ -710,7 +718,7 @@
           <a:p>
             <a:fld id="{621D9606-6FF7-49AF-A412-4D6AB767DFC4}" type="datetimeFigureOut">
               <a:rPr lang="en-US" smtClean="0"/>
-              <a:t>4/21/2021</a:t>
+              <a:t>4/21/21</a:t>
             </a:fld>
             <a:endParaRPr lang="en-US"/>
           </a:p>
@@ -1108,7 +1116,7 @@
             <a:fld id="{FFF30096-E2FA-4C53-8FFA-C198FACBBC31}" type="datetimeFigureOut">
               <a:rPr lang="en-US" smtClean="0"/>
               <a:pPr/>
-              <a:t>4/21/2021</a:t>
+              <a:t>4/21/21</a:t>
             </a:fld>
             <a:endParaRPr lang="en-US" dirty="0"/>
           </a:p>
@@ -17103,7 +17111,7 @@
             <a:fld id="{FFF30096-E2FA-4C53-8FFA-C198FACBBC31}" type="datetimeFigureOut">
               <a:rPr lang="en-US" smtClean="0"/>
               <a:pPr/>
-              <a:t>4/21/2021</a:t>
+              <a:t>4/21/21</a:t>
             </a:fld>
             <a:endParaRPr lang="en-US" dirty="0"/>
           </a:p>
@@ -33462,7 +33470,7 @@
             <a:fld id="{FFF30096-E2FA-4C53-8FFA-C198FACBBC31}" type="datetimeFigureOut">
               <a:rPr lang="en-US" smtClean="0"/>
               <a:pPr/>
-              <a:t>4/21/2021</a:t>
+              <a:t>4/21/21</a:t>
             </a:fld>
             <a:endParaRPr lang="en-US" dirty="0"/>
           </a:p>
@@ -33719,7 +33727,7 @@
             <a:fld id="{FFF30096-E2FA-4C53-8FFA-C198FACBBC31}" type="datetimeFigureOut">
               <a:rPr lang="en-US" smtClean="0"/>
               <a:pPr/>
-              <a:t>4/21/2021</a:t>
+              <a:t>4/21/21</a:t>
             </a:fld>
             <a:endParaRPr lang="en-US" dirty="0"/>
           </a:p>
@@ -35560,7 +35568,7 @@
             <a:fld id="{FFF30096-E2FA-4C53-8FFA-C198FACBBC31}" type="datetimeFigureOut">
               <a:rPr lang="en-US" smtClean="0"/>
               <a:pPr/>
-              <a:t>4/21/2021</a:t>
+              <a:t>4/21/21</a:t>
             </a:fld>
             <a:endParaRPr lang="en-US" dirty="0"/>
           </a:p>
@@ -35935,7 +35943,7 @@
             <a:fld id="{FFF30096-E2FA-4C53-8FFA-C198FACBBC31}" type="datetimeFigureOut">
               <a:rPr lang="en-US" smtClean="0"/>
               <a:pPr/>
-              <a:t>4/21/2021</a:t>
+              <a:t>4/21/21</a:t>
             </a:fld>
             <a:endParaRPr lang="en-US"/>
           </a:p>
@@ -36492,19 +36500,14 @@
             <p:ph type="body" sz="quarter" idx="35"/>
           </p:nvPr>
         </p:nvSpPr>
-        <p:spPr>
-          <a:xfrm>
-            <a:off x="391344" y="1089334"/>
-            <a:ext cx="8208912" cy="2982516"/>
-          </a:xfrm>
-        </p:spPr>
+        <p:spPr/>
         <p:txBody>
           <a:bodyPr/>
           <a:lstStyle/>
           <a:p>
             <a:r>
-              <a:rPr lang="en-US" sz="2000" dirty="0"/>
-              <a:t>The result of our most accurate model was a ROI of - 0.16% while trading blindly bullish over the same period yielded a ROI of - 1.514 %. This leads us to believe that there is room for growth in the model and that more data and testing is needed in order to increase the accuracy of the model.</a:t>
+              <a:rPr lang="en-US" dirty="0"/>
+              <a:t>The result of our models was a negative ROI of 0.16%. This leads us to believe that there is room for growth in the model and that more data and testing is needed in order to increase the accuracy of the model.</a:t>
             </a:r>
           </a:p>
         </p:txBody>
@@ -37286,8 +37289,8 @@
         </p:blipFill>
         <p:spPr>
           <a:xfrm>
-            <a:off x="5717512" y="1428750"/>
-            <a:ext cx="3432132" cy="2286000"/>
+            <a:off x="5717512" y="1581150"/>
+            <a:ext cx="3203323" cy="2133600"/>
           </a:xfrm>
           <a:prstGeom prst="rect">
             <a:avLst/>
@@ -37341,7 +37344,7 @@
               <a:buChar char="•"/>
             </a:pPr>
             <a:r>
-              <a:rPr lang="en-US" dirty="0"/>
+              <a:rPr lang="en-US" sz="1800" dirty="0"/>
               <a:t>Predictive features computed for the model:</a:t>
             </a:r>
           </a:p>
@@ -37351,7 +37354,7 @@
               <a:buChar char="•"/>
             </a:pPr>
             <a:r>
-              <a:rPr lang="en-US" sz="2400" dirty="0"/>
+              <a:rPr lang="en-US" sz="1800" dirty="0"/>
               <a:t>EMA, RSI, JWWMA, ATR</a:t>
             </a:r>
           </a:p>
@@ -37360,7 +37363,7 @@
               <a:buNone/>
             </a:pPr>
             <a:r>
-              <a:rPr lang="en-US" sz="1050" dirty="0"/>
+              <a:rPr lang="en-US" sz="900" dirty="0"/>
               <a:t>(Also included candle shadow and body size, min, max, volume, modulos at differing levels,  differences,  percentage change,  week day, and day)</a:t>
             </a:r>
           </a:p>
@@ -37370,7 +37373,7 @@
               <a:buChar char="•"/>
             </a:pPr>
             <a:r>
-              <a:rPr lang="en-US" dirty="0"/>
+              <a:rPr lang="en-US" sz="1800" dirty="0"/>
               <a:t>Results calculated based on stoploss of -5% and take profit calculated based on +12%.</a:t>
             </a:r>
           </a:p>
@@ -37380,11 +37383,11 @@
               <a:buChar char="•"/>
             </a:pPr>
             <a:r>
-              <a:rPr lang="en-US" dirty="0"/>
+              <a:rPr lang="en-US" sz="1800" dirty="0"/>
               <a:t>Variables created using multiple window sizes: </a:t>
             </a:r>
             <a:r>
-              <a:rPr lang="en-US" sz="1800" dirty="0"/>
+              <a:rPr lang="en-US" sz="1400" dirty="0"/>
               <a:t>(8, 13, 21, 34, 55, 89, 144, 377)</a:t>
             </a:r>
           </a:p>
@@ -37394,7 +37397,7 @@
               <a:buChar char="•"/>
             </a:pPr>
             <a:r>
-              <a:rPr lang="en-US" dirty="0"/>
+              <a:rPr lang="en-US" sz="1800" dirty="0"/>
               <a:t>Train, test, and validation sets created after variables computed.</a:t>
             </a:r>
           </a:p>
@@ -37404,7 +37407,7 @@
               <a:buChar char="•"/>
             </a:pPr>
             <a:r>
-              <a:rPr lang="en-US" dirty="0"/>
+              <a:rPr lang="en-US" sz="1800" dirty="0"/>
               <a:t>Variables scaled for use in model.</a:t>
             </a:r>
           </a:p>
@@ -37413,11 +37416,11 @@
               <a:buFont typeface="Arial" panose="020B0604020202020204" pitchFamily="34" charset="0"/>
               <a:buChar char="•"/>
             </a:pPr>
-            <a:endParaRPr lang="en-US" dirty="0"/>
+            <a:endParaRPr lang="en-US" sz="1800" dirty="0"/>
           </a:p>
           <a:p>
             <a:pPr algn="l"/>
-            <a:endParaRPr lang="en-US" dirty="0"/>
+            <a:endParaRPr lang="en-US" sz="1800" dirty="0"/>
           </a:p>
         </p:txBody>
       </p:sp>
